--- a/X3DJSONLoaderTutorial.pptx
+++ b/X3DJSONLoaderTutorial.pptx
@@ -250,7 +250,7 @@
           <a:p>
             <a:fld id="{A269C036-8BCC-4E89-9455-BC85A1FB6334}" type="datetimeFigureOut">
               <a:rPr lang="en-US" smtClean="0"/>
-              <a:t>3/5/2017</a:t>
+              <a:t>4/26/2017</a:t>
             </a:fld>
             <a:endParaRPr lang="en-US"/>
           </a:p>
@@ -418,7 +418,7 @@
           <a:p>
             <a:fld id="{A269C036-8BCC-4E89-9455-BC85A1FB6334}" type="datetimeFigureOut">
               <a:rPr lang="en-US" smtClean="0"/>
-              <a:t>3/5/2017</a:t>
+              <a:t>4/26/2017</a:t>
             </a:fld>
             <a:endParaRPr lang="en-US"/>
           </a:p>
@@ -596,7 +596,7 @@
           <a:p>
             <a:fld id="{A269C036-8BCC-4E89-9455-BC85A1FB6334}" type="datetimeFigureOut">
               <a:rPr lang="en-US" smtClean="0"/>
-              <a:t>3/5/2017</a:t>
+              <a:t>4/26/2017</a:t>
             </a:fld>
             <a:endParaRPr lang="en-US"/>
           </a:p>
@@ -764,7 +764,7 @@
           <a:p>
             <a:fld id="{A269C036-8BCC-4E89-9455-BC85A1FB6334}" type="datetimeFigureOut">
               <a:rPr lang="en-US" smtClean="0"/>
-              <a:t>3/5/2017</a:t>
+              <a:t>4/26/2017</a:t>
             </a:fld>
             <a:endParaRPr lang="en-US"/>
           </a:p>
@@ -1009,7 +1009,7 @@
           <a:p>
             <a:fld id="{A269C036-8BCC-4E89-9455-BC85A1FB6334}" type="datetimeFigureOut">
               <a:rPr lang="en-US" smtClean="0"/>
-              <a:t>3/5/2017</a:t>
+              <a:t>4/26/2017</a:t>
             </a:fld>
             <a:endParaRPr lang="en-US"/>
           </a:p>
@@ -1238,7 +1238,7 @@
           <a:p>
             <a:fld id="{A269C036-8BCC-4E89-9455-BC85A1FB6334}" type="datetimeFigureOut">
               <a:rPr lang="en-US" smtClean="0"/>
-              <a:t>3/5/2017</a:t>
+              <a:t>4/26/2017</a:t>
             </a:fld>
             <a:endParaRPr lang="en-US"/>
           </a:p>
@@ -1602,7 +1602,7 @@
           <a:p>
             <a:fld id="{A269C036-8BCC-4E89-9455-BC85A1FB6334}" type="datetimeFigureOut">
               <a:rPr lang="en-US" smtClean="0"/>
-              <a:t>3/5/2017</a:t>
+              <a:t>4/26/2017</a:t>
             </a:fld>
             <a:endParaRPr lang="en-US"/>
           </a:p>
@@ -1719,7 +1719,7 @@
           <a:p>
             <a:fld id="{A269C036-8BCC-4E89-9455-BC85A1FB6334}" type="datetimeFigureOut">
               <a:rPr lang="en-US" smtClean="0"/>
-              <a:t>3/5/2017</a:t>
+              <a:t>4/26/2017</a:t>
             </a:fld>
             <a:endParaRPr lang="en-US"/>
           </a:p>
@@ -1814,7 +1814,7 @@
           <a:p>
             <a:fld id="{A269C036-8BCC-4E89-9455-BC85A1FB6334}" type="datetimeFigureOut">
               <a:rPr lang="en-US" smtClean="0"/>
-              <a:t>3/5/2017</a:t>
+              <a:t>4/26/2017</a:t>
             </a:fld>
             <a:endParaRPr lang="en-US"/>
           </a:p>
@@ -2089,7 +2089,7 @@
           <a:p>
             <a:fld id="{A269C036-8BCC-4E89-9455-BC85A1FB6334}" type="datetimeFigureOut">
               <a:rPr lang="en-US" smtClean="0"/>
-              <a:t>3/5/2017</a:t>
+              <a:t>4/26/2017</a:t>
             </a:fld>
             <a:endParaRPr lang="en-US"/>
           </a:p>
@@ -2341,7 +2341,7 @@
           <a:p>
             <a:fld id="{A269C036-8BCC-4E89-9455-BC85A1FB6334}" type="datetimeFigureOut">
               <a:rPr lang="en-US" smtClean="0"/>
-              <a:t>3/5/2017</a:t>
+              <a:t>4/26/2017</a:t>
             </a:fld>
             <a:endParaRPr lang="en-US"/>
           </a:p>
@@ -2552,7 +2552,7 @@
           <a:p>
             <a:fld id="{A269C036-8BCC-4E89-9455-BC85A1FB6334}" type="datetimeFigureOut">
               <a:rPr lang="en-US" smtClean="0"/>
-              <a:t>3/5/2017</a:t>
+              <a:t>4/26/2017</a:t>
             </a:fld>
             <a:endParaRPr lang="en-US"/>
           </a:p>
@@ -3371,7 +3371,9 @@
         </p:nvSpPr>
         <p:spPr/>
         <p:txBody>
-          <a:bodyPr/>
+          <a:bodyPr>
+            <a:normAutofit lnSpcReduction="10000"/>
+          </a:bodyPr>
           <a:lstStyle/>
           <a:p>
             <a:r>
@@ -3400,24 +3402,33 @@
               <a:rPr lang="en-US" dirty="0" err="1"/>
               <a:t>serializer</a:t>
             </a:r>
-            <a:endParaRPr lang="en-US" dirty="0"/>
-          </a:p>
-          <a:p>
-            <a:r>
-              <a:rPr lang="en-US" dirty="0"/>
-              <a:t>PythonSerializer.js – serialize DOM to Python</a:t>
-            </a:r>
-          </a:p>
-          <a:p>
-            <a:r>
-              <a:rPr lang="en-US" dirty="0"/>
-              <a:t>JavaSerializer.js – serialize DOM to Java (imperative, variables).</a:t>
-            </a:r>
-          </a:p>
-          <a:p>
-            <a:r>
-              <a:rPr lang="en-US" dirty="0"/>
-              <a:t>JavaSerializerNew.js – serialize DOM to Java (declarative, chained).</a:t>
+            <a:r>
+              <a:rPr lang="en-US" dirty="0"/>
+              <a:t>.</a:t>
+            </a:r>
+          </a:p>
+          <a:p>
+            <a:r>
+              <a:rPr lang="en-US" dirty="0"/>
+              <a:t>json2all.js – driver script for convertJSON.js</a:t>
+            </a:r>
+          </a:p>
+          <a:p>
+            <a:r>
+              <a:rPr lang="en-US" dirty="0"/>
+              <a:t>PythonSerializer.js – serialize DOM to Python (old, unfinished).</a:t>
+            </a:r>
+          </a:p>
+          <a:p>
+            <a:r>
+              <a:rPr lang="en-US" dirty="0"/>
+              <a:t>JavaSerializer.js – serialize DOM to Java.</a:t>
+            </a:r>
+          </a:p>
+          <a:p>
+            <a:r>
+              <a:rPr lang="en-US" dirty="0"/>
+              <a:t>JavaScriptSerializerNew.js – serialize DOM to JavaScript.</a:t>
             </a:r>
           </a:p>
           <a:p>
@@ -3775,6 +3786,17 @@
               <a:t>, xml log, and namespace returns DOM element</a:t>
             </a:r>
           </a:p>
+          <a:p>
+            <a:r>
+              <a:rPr lang="en-US" dirty="0"/>
+              <a:t>Client side does Inline processing of JSON since X3DOM and Cobweb </a:t>
+            </a:r>
+            <a:r>
+              <a:rPr lang="en-US"/>
+              <a:t>don’t support JSON yet.</a:t>
+            </a:r>
+            <a:endParaRPr lang="en-US" dirty="0"/>
+          </a:p>
         </p:txBody>
       </p:sp>
     </p:spTree>
@@ -4195,7 +4217,15 @@
             <a:pPr lvl="1"/>
             <a:r>
               <a:rPr lang="en-US" dirty="0"/>
-              <a:t>Convert JSON to XML, Python, Java (2 forms)</a:t>
+              <a:t>Convert JSON to XML, Python, Java and </a:t>
+            </a:r>
+            <a:r>
+              <a:rPr lang="en-US" dirty="0" err="1"/>
+              <a:t>Nashorn</a:t>
+            </a:r>
+            <a:r>
+              <a:rPr lang="en-US" dirty="0"/>
+              <a:t> JavaScript</a:t>
             </a:r>
           </a:p>
           <a:p>

--- a/X3DJSONLoaderTutorial.pptx
+++ b/X3DJSONLoaderTutorial.pptx
@@ -121,6 +121,10 @@
 </p:presentation>
 </file>
 
+<file path=ppt/revisionInfo.xml><?xml version="1.0" encoding="utf-8"?>
+<p1510:revInfo xmlns:a="http://schemas.openxmlformats.org/drawingml/2006/main" xmlns:r="http://schemas.openxmlformats.org/officeDocument/2006/relationships" xmlns:p1510="http://schemas.microsoft.com/office/powerpoint/2015/10/main"/>
+</file>
+
 <file path=ppt/slideLayouts/slideLayout1.xml><?xml version="1.0" encoding="utf-8"?>
 <p:sldLayout xmlns:a="http://schemas.openxmlformats.org/drawingml/2006/main" xmlns:r="http://schemas.openxmlformats.org/officeDocument/2006/relationships" xmlns:p="http://schemas.openxmlformats.org/presentationml/2006/main" type="title" preserve="1">
   <p:cSld name="Title Slide">
@@ -250,7 +254,7 @@
           <a:p>
             <a:fld id="{A269C036-8BCC-4E89-9455-BC85A1FB6334}" type="datetimeFigureOut">
               <a:rPr lang="en-US" smtClean="0"/>
-              <a:t>4/26/2017</a:t>
+              <a:t>5/10/2017</a:t>
             </a:fld>
             <a:endParaRPr lang="en-US"/>
           </a:p>
@@ -418,7 +422,7 @@
           <a:p>
             <a:fld id="{A269C036-8BCC-4E89-9455-BC85A1FB6334}" type="datetimeFigureOut">
               <a:rPr lang="en-US" smtClean="0"/>
-              <a:t>4/26/2017</a:t>
+              <a:t>5/10/2017</a:t>
             </a:fld>
             <a:endParaRPr lang="en-US"/>
           </a:p>
@@ -596,7 +600,7 @@
           <a:p>
             <a:fld id="{A269C036-8BCC-4E89-9455-BC85A1FB6334}" type="datetimeFigureOut">
               <a:rPr lang="en-US" smtClean="0"/>
-              <a:t>4/26/2017</a:t>
+              <a:t>5/10/2017</a:t>
             </a:fld>
             <a:endParaRPr lang="en-US"/>
           </a:p>
@@ -764,7 +768,7 @@
           <a:p>
             <a:fld id="{A269C036-8BCC-4E89-9455-BC85A1FB6334}" type="datetimeFigureOut">
               <a:rPr lang="en-US" smtClean="0"/>
-              <a:t>4/26/2017</a:t>
+              <a:t>5/10/2017</a:t>
             </a:fld>
             <a:endParaRPr lang="en-US"/>
           </a:p>
@@ -1009,7 +1013,7 @@
           <a:p>
             <a:fld id="{A269C036-8BCC-4E89-9455-BC85A1FB6334}" type="datetimeFigureOut">
               <a:rPr lang="en-US" smtClean="0"/>
-              <a:t>4/26/2017</a:t>
+              <a:t>5/10/2017</a:t>
             </a:fld>
             <a:endParaRPr lang="en-US"/>
           </a:p>
@@ -1238,7 +1242,7 @@
           <a:p>
             <a:fld id="{A269C036-8BCC-4E89-9455-BC85A1FB6334}" type="datetimeFigureOut">
               <a:rPr lang="en-US" smtClean="0"/>
-              <a:t>4/26/2017</a:t>
+              <a:t>5/10/2017</a:t>
             </a:fld>
             <a:endParaRPr lang="en-US"/>
           </a:p>
@@ -1602,7 +1606,7 @@
           <a:p>
             <a:fld id="{A269C036-8BCC-4E89-9455-BC85A1FB6334}" type="datetimeFigureOut">
               <a:rPr lang="en-US" smtClean="0"/>
-              <a:t>4/26/2017</a:t>
+              <a:t>5/10/2017</a:t>
             </a:fld>
             <a:endParaRPr lang="en-US"/>
           </a:p>
@@ -1719,7 +1723,7 @@
           <a:p>
             <a:fld id="{A269C036-8BCC-4E89-9455-BC85A1FB6334}" type="datetimeFigureOut">
               <a:rPr lang="en-US" smtClean="0"/>
-              <a:t>4/26/2017</a:t>
+              <a:t>5/10/2017</a:t>
             </a:fld>
             <a:endParaRPr lang="en-US"/>
           </a:p>
@@ -1814,7 +1818,7 @@
           <a:p>
             <a:fld id="{A269C036-8BCC-4E89-9455-BC85A1FB6334}" type="datetimeFigureOut">
               <a:rPr lang="en-US" smtClean="0"/>
-              <a:t>4/26/2017</a:t>
+              <a:t>5/10/2017</a:t>
             </a:fld>
             <a:endParaRPr lang="en-US"/>
           </a:p>
@@ -2089,7 +2093,7 @@
           <a:p>
             <a:fld id="{A269C036-8BCC-4E89-9455-BC85A1FB6334}" type="datetimeFigureOut">
               <a:rPr lang="en-US" smtClean="0"/>
-              <a:t>4/26/2017</a:t>
+              <a:t>5/10/2017</a:t>
             </a:fld>
             <a:endParaRPr lang="en-US"/>
           </a:p>
@@ -2341,7 +2345,7 @@
           <a:p>
             <a:fld id="{A269C036-8BCC-4E89-9455-BC85A1FB6334}" type="datetimeFigureOut">
               <a:rPr lang="en-US" smtClean="0"/>
-              <a:t>4/26/2017</a:t>
+              <a:t>5/10/2017</a:t>
             </a:fld>
             <a:endParaRPr lang="en-US"/>
           </a:p>
@@ -2552,7 +2556,7 @@
           <a:p>
             <a:fld id="{A269C036-8BCC-4E89-9455-BC85A1FB6334}" type="datetimeFigureOut">
               <a:rPr lang="en-US" smtClean="0"/>
-              <a:t>4/26/2017</a:t>
+              <a:t>5/10/2017</a:t>
             </a:fld>
             <a:endParaRPr lang="en-US"/>
           </a:p>
@@ -2976,6 +2980,14 @@
               <a:rPr lang="en-US" dirty="0"/>
               <a:t>X3D JSON Loader Tutorial</a:t>
             </a:r>
+            <a:br>
+              <a:rPr lang="en-US" dirty="0"/>
+            </a:br>
+            <a:r>
+              <a:rPr lang="en-US" sz="3200" dirty="0"/>
+              <a:t>with Object Model integration</a:t>
+            </a:r>
+            <a:endParaRPr lang="en-US" dirty="0"/>
           </a:p>
         </p:txBody>
       </p:sp>
@@ -3094,27 +3106,44 @@
         </p:nvSpPr>
         <p:spPr/>
         <p:txBody>
-          <a:bodyPr/>
-          <a:lstStyle/>
-          <a:p>
-            <a:r>
-              <a:rPr lang="en-US" dirty="0"/>
-              <a:t>Provides data for </a:t>
+          <a:bodyPr>
+            <a:normAutofit fontScale="77500" lnSpcReduction="20000"/>
+          </a:bodyPr>
+          <a:lstStyle/>
+          <a:p>
+            <a:r>
+              <a:rPr lang="en-US" b="1" dirty="0"/>
+              <a:t>The Object Model provides data for X3DJSONLD </a:t>
+            </a:r>
+            <a:r>
+              <a:rPr lang="en-US" b="1" dirty="0" err="1"/>
+              <a:t>Serializers</a:t>
+            </a:r>
+            <a:r>
+              <a:rPr lang="en-US" b="1" dirty="0"/>
+              <a:t> and schema generators.</a:t>
+            </a:r>
+          </a:p>
+          <a:p>
+            <a:r>
+              <a:rPr lang="en-US" dirty="0"/>
+              <a:t>Uses Beautiful Soup 4 and </a:t>
             </a:r>
             <a:r>
               <a:rPr lang="en-US" dirty="0" err="1"/>
-              <a:t>Serializers</a:t>
-            </a:r>
-            <a:endParaRPr lang="en-US"/>
-          </a:p>
-          <a:p>
-            <a:r>
-              <a:rPr lang="en-US"/>
-              <a:t>Uses </a:t>
-            </a:r>
-            <a:r>
-              <a:rPr lang="en-US" dirty="0"/>
-              <a:t>Beautiful Soup 4 to parse XML</a:t>
+              <a:t>lxml</a:t>
+            </a:r>
+            <a:r>
+              <a:rPr lang="en-US" dirty="0"/>
+              <a:t> (bs4 and </a:t>
+            </a:r>
+            <a:r>
+              <a:rPr lang="en-US" dirty="0" err="1"/>
+              <a:t>lxml</a:t>
+            </a:r>
+            <a:r>
+              <a:rPr lang="en-US" dirty="0"/>
+              <a:t> python modules) to parse Object Model XML</a:t>
             </a:r>
           </a:p>
           <a:p>
@@ -3177,6 +3206,34 @@
             <a:r>
               <a:rPr lang="en-US" dirty="0"/>
               <a:t>Lists types of attributes in a JSON object</a:t>
+            </a:r>
+          </a:p>
+          <a:p>
+            <a:r>
+              <a:rPr lang="en-US" dirty="0"/>
+              <a:t>classes.py – produces </a:t>
+            </a:r>
+            <a:r>
+              <a:rPr lang="en-US" dirty="0" err="1"/>
+              <a:t>autoclass</a:t>
+            </a:r>
+            <a:r>
+              <a:rPr lang="en-US" dirty="0"/>
+              <a:t> imports for python (</a:t>
+            </a:r>
+            <a:r>
+              <a:rPr lang="en-US" dirty="0" err="1"/>
+              <a:t>pythonSAI</a:t>
+            </a:r>
+            <a:r>
+              <a:rPr lang="en-US" dirty="0"/>
+              <a:t>) and JavaScript “classes” (X3DJSONLD).</a:t>
+            </a:r>
+          </a:p>
+          <a:p>
+            <a:r>
+              <a:rPr lang="en-US" dirty="0"/>
+              <a:t>generateJSONSchema.py (X3DJSONLD) (early prototype, generates JSON Schema).</a:t>
             </a:r>
           </a:p>
         </p:txBody>
@@ -3257,7 +3314,7 @@
             <a:pPr lvl="1"/>
             <a:r>
               <a:rPr lang="en-US" dirty="0"/>
-              <a:t>Render JSON to X3DOM</a:t>
+              <a:t>Render JSON to X3DOM, allow for near-interactive prototyping with X3D JSON.  Also works with Cobweb through SAI.</a:t>
             </a:r>
           </a:p>
           <a:p>
@@ -3290,7 +3347,7 @@
             <a:pPr lvl="1"/>
             <a:r>
               <a:rPr lang="en-US" dirty="0"/>
-              <a:t>Document Validation against Schema 3.3</a:t>
+              <a:t>Document Validation against JSON Schema 3.3</a:t>
             </a:r>
           </a:p>
           <a:p>
@@ -3304,6 +3361,13 @@
               <a:t>Jquery</a:t>
             </a:r>
             <a:endParaRPr lang="en-US" dirty="0"/>
+          </a:p>
+          <a:p>
+            <a:pPr lvl="1"/>
+            <a:r>
+              <a:rPr lang="en-US" dirty="0"/>
+              <a:t>Fuzz testing</a:t>
+            </a:r>
           </a:p>
         </p:txBody>
       </p:sp>
@@ -3372,25 +3436,27 @@
         <p:spPr/>
         <p:txBody>
           <a:bodyPr>
-            <a:normAutofit lnSpcReduction="10000"/>
+            <a:normAutofit fontScale="92500" lnSpcReduction="10000"/>
           </a:bodyPr>
           <a:lstStyle/>
           <a:p>
             <a:r>
               <a:rPr lang="en-US" dirty="0"/>
-              <a:t>X3DJSONLD.js – convert JSON to DOM and XML, load URLs</a:t>
+              <a:t>X3DJSONLD.js – convert JSON to DOM and XML, load URLs—supposedly independent of </a:t>
+            </a:r>
+            <a:r>
+              <a:rPr lang="en-US" dirty="0" err="1"/>
+              <a:t>Jquery</a:t>
+            </a:r>
+            <a:r>
+              <a:rPr lang="en-US" dirty="0"/>
+              <a:t>.</a:t>
             </a:r>
           </a:p>
           <a:p>
             <a:r>
               <a:rPr lang="en-US" dirty="0"/>
               <a:t>loaderJQuery.js – jQuery and other integrations useful for a web page.</a:t>
-            </a:r>
-          </a:p>
-          <a:p>
-            <a:r>
-              <a:rPr lang="en-US" dirty="0"/>
-              <a:t>serverX3DJSONLD.js – server side version of X3DJSONLD.js</a:t>
             </a:r>
           </a:p>
           <a:p>
@@ -3404,7 +3470,7 @@
             </a:r>
             <a:r>
               <a:rPr lang="en-US" dirty="0"/>
-              <a:t>.</a:t>
+              <a:t>.  Also contains JSON validator.</a:t>
             </a:r>
           </a:p>
           <a:p>
@@ -3416,25 +3482,25 @@
           <a:p>
             <a:r>
               <a:rPr lang="en-US" dirty="0"/>
-              <a:t>PythonSerializer.js – serialize DOM to Python (old, unfinished).</a:t>
-            </a:r>
-          </a:p>
-          <a:p>
-            <a:r>
-              <a:rPr lang="en-US" dirty="0"/>
-              <a:t>JavaSerializer.js – serialize DOM to Java.</a:t>
-            </a:r>
-          </a:p>
-          <a:p>
-            <a:r>
-              <a:rPr lang="en-US" dirty="0"/>
-              <a:t>JavaScriptSerializerNew.js – serialize DOM to JavaScript.</a:t>
-            </a:r>
-          </a:p>
-          <a:p>
-            <a:r>
-              <a:rPr lang="en-US" dirty="0"/>
-              <a:t>DOMSerializer.js – serialize DOM to XML</a:t>
+              <a:t>PythonSerializer.js – serialize DOM to Python (non-chained methods).</a:t>
+            </a:r>
+          </a:p>
+          <a:p>
+            <a:r>
+              <a:rPr lang="en-US" dirty="0"/>
+              <a:t>JavaSerializer.js – serialize DOM to Java (chained methods).</a:t>
+            </a:r>
+          </a:p>
+          <a:p>
+            <a:r>
+              <a:rPr lang="en-US" dirty="0"/>
+              <a:t>JavaScriptSerializer.js – serialize DOM to JavaScript (chained methods).</a:t>
+            </a:r>
+          </a:p>
+          <a:p>
+            <a:r>
+              <a:rPr lang="en-US" dirty="0"/>
+              <a:t>DOMSerializer.js – serialize DOM to XML (produces *.x3d.new)</a:t>
             </a:r>
           </a:p>
         </p:txBody>
@@ -3504,7 +3570,7 @@
         <p:spPr/>
         <p:txBody>
           <a:bodyPr>
-            <a:normAutofit lnSpcReduction="10000"/>
+            <a:normAutofit fontScale="92500" lnSpcReduction="10000"/>
           </a:bodyPr>
           <a:lstStyle/>
           <a:p>
@@ -3561,6 +3627,12 @@
             <a:r>
               <a:rPr lang="en-US" dirty="0"/>
               <a:t>convert.js – converts XML to JSON</a:t>
+            </a:r>
+          </a:p>
+          <a:p>
+            <a:r>
+              <a:rPr lang="en-US" dirty="0"/>
+              <a:t>fuzz.js – fuzz testing for generating random X3D JSON documents.</a:t>
             </a:r>
           </a:p>
           <a:p>
@@ -3632,18 +3704,28 @@
         </p:nvSpPr>
         <p:spPr/>
         <p:txBody>
-          <a:bodyPr/>
-          <a:lstStyle/>
-          <a:p>
-            <a:r>
-              <a:rPr lang="en-US" dirty="0"/>
-              <a:t>fieldTypes.js – maps fields in nodes to types</a:t>
-            </a:r>
-          </a:p>
-          <a:p>
-            <a:r>
-              <a:rPr lang="en-US" dirty="0"/>
-              <a:t>mapToMethod.js – maps a parent child relationship to a method</a:t>
+          <a:bodyPr>
+            <a:normAutofit fontScale="92500" lnSpcReduction="10000"/>
+          </a:bodyPr>
+          <a:lstStyle/>
+          <a:p>
+            <a:r>
+              <a:rPr lang="en-US" dirty="0"/>
+              <a:t>fieldTypes.js – maps fields in nodes to types—derived from </a:t>
+            </a:r>
+            <a:r>
+              <a:rPr lang="en-US" dirty="0" err="1"/>
+              <a:t>Obect</a:t>
+            </a:r>
+            <a:r>
+              <a:rPr lang="en-US" dirty="0"/>
+              <a:t> Model</a:t>
+            </a:r>
+          </a:p>
+          <a:p>
+            <a:r>
+              <a:rPr lang="en-US" dirty="0"/>
+              <a:t>mapToMethod.js – maps a parent child relationship to a method—derived from Object Model.</a:t>
             </a:r>
           </a:p>
           <a:p>
@@ -3673,7 +3755,7 @@
           <a:p>
             <a:r>
               <a:rPr lang="en-US" dirty="0"/>
-              <a:t>convert.sh – runs convert.js</a:t>
+              <a:t>convert.sh – runs RunSaxon.java to convert arguments, but only on non-converted files. (leaving off ---overwrite on RunSaxon.java will do same thing).</a:t>
             </a:r>
           </a:p>
         </p:txBody>
@@ -3752,8 +3834,8 @@
           </a:p>
           <a:p>
             <a:r>
-              <a:rPr lang="en-US" dirty="0"/>
-              <a:t>Server version takes </a:t>
+              <a:rPr lang="en-US"/>
+              <a:t>Both versions take </a:t>
             </a:r>
             <a:r>
               <a:rPr lang="en-US" dirty="0" err="1"/>
@@ -3761,20 +3843,6 @@
             </a:r>
             <a:r>
               <a:rPr lang="en-US" dirty="0"/>
-              <a:t> and filename, returns DOM element</a:t>
-            </a:r>
-          </a:p>
-          <a:p>
-            <a:r>
-              <a:rPr lang="en-US" dirty="0"/>
-              <a:t>Client version take </a:t>
-            </a:r>
-            <a:r>
-              <a:rPr lang="en-US" dirty="0" err="1"/>
-              <a:t>json</a:t>
-            </a:r>
-            <a:r>
-              <a:rPr lang="en-US" dirty="0"/>
               <a:t>, </a:t>
             </a:r>
             <a:r>
@@ -3783,19 +3851,22 @@
             </a:r>
             <a:r>
               <a:rPr lang="en-US" dirty="0"/>
-              <a:t>, xml log, and namespace returns DOM element</a:t>
-            </a:r>
-          </a:p>
-          <a:p>
-            <a:r>
-              <a:rPr lang="en-US" dirty="0"/>
-              <a:t>Client side does Inline processing of JSON since X3DOM and Cobweb </a:t>
-            </a:r>
-            <a:r>
-              <a:rPr lang="en-US"/>
-              <a:t>don’t support JSON yet.</a:t>
-            </a:r>
-            <a:endParaRPr lang="en-US" dirty="0"/>
+              <a:t>, xml log, and namespace, a way to load a JSON schema, a validate routine for JSON schema, and a callback, whose parameter is a returned DOM element or null for load failure.</a:t>
+            </a:r>
+          </a:p>
+          <a:p>
+            <a:r>
+              <a:rPr lang="en-US" dirty="0"/>
+              <a:t>Client side does Inline processing of JSON since X3DOM and Cobweb don’t support JSON yet—some of the time.  Some of the time, I use XML </a:t>
+            </a:r>
+            <a:r>
+              <a:rPr lang="en-US" dirty="0" err="1"/>
+              <a:t>inlines</a:t>
+            </a:r>
+            <a:r>
+              <a:rPr lang="en-US" dirty="0"/>
+              <a:t>—this works better.</a:t>
+            </a:r>
           </a:p>
         </p:txBody>
       </p:sp>
@@ -3846,15 +3917,7 @@
           <a:p>
             <a:r>
               <a:rPr lang="en-US" dirty="0"/>
-              <a:t>X3DJSONLD </a:t>
-            </a:r>
-            <a:r>
-              <a:rPr lang="en-US" dirty="0" err="1"/>
-              <a:t>loaderJQuery</a:t>
-            </a:r>
-            <a:r>
-              <a:rPr lang="en-US" dirty="0"/>
-              <a:t> (replace, append)</a:t>
+              <a:t>Client-side X3DJSONLD loaderJQuery.js (replace, append)</a:t>
             </a:r>
           </a:p>
         </p:txBody>
@@ -3871,7 +3934,9 @@
         </p:nvSpPr>
         <p:spPr/>
         <p:txBody>
-          <a:bodyPr/>
+          <a:bodyPr>
+            <a:normAutofit fontScale="77500" lnSpcReduction="20000"/>
+          </a:bodyPr>
           <a:lstStyle/>
           <a:p>
             <a:r>
@@ -3884,7 +3949,7 @@
             </a:r>
             <a:r>
               <a:rPr lang="en-US" dirty="0"/>
-              <a:t>, </a:t>
+              <a:t> JS object, </a:t>
             </a:r>
             <a:r>
               <a:rPr lang="en-US" dirty="0" err="1"/>
@@ -3892,8 +3957,13 @@
             </a:r>
             <a:r>
               <a:rPr lang="en-US" dirty="0"/>
-              <a:t>, xml log and namespace and appends the element returned from calling loadX3DJS to the emptied selector.</a:t>
-            </a:r>
+              <a:t>, xml log, namespace and callback, passes them to loadX3DJS(), then appends the element passed in the callback to the emptied selector.  Returns the child element in a callback, which you may use to load DOM into an X3D viewer.   The xml returned may be used to load XML browsers. (see loadX3D in loaderJQuery.js).  Tested with the </a:t>
+            </a:r>
+            <a:r>
+              <a:rPr lang="en-US"/>
+              <a:t>user interface.</a:t>
+            </a:r>
+            <a:endParaRPr lang="en-US" dirty="0"/>
           </a:p>
           <a:p>
             <a:r>
@@ -3906,7 +3976,7 @@
             </a:r>
             <a:r>
               <a:rPr lang="en-US" dirty="0"/>
-              <a:t>, </a:t>
+              <a:t> JS object, </a:t>
             </a:r>
             <a:r>
               <a:rPr lang="en-US" dirty="0" err="1"/>
@@ -3914,7 +3984,51 @@
             </a:r>
             <a:r>
               <a:rPr lang="en-US" dirty="0"/>
-              <a:t>, xml log and namespace and appends the element returned from calling loadX3DJS to the selector.</a:t>
+              <a:t>, xml log, namespace and callback, passes them to loadX3DJS(), then appends the element passed back in the callback to the selector.  Returns an xml LOG (array of strings).  Does not empty selector. Does not work with Cobweb or browsing full XML.  Only works with X3DOM (and not tested often).</a:t>
+            </a:r>
+          </a:p>
+          <a:p>
+            <a:r>
+              <a:rPr lang="en-US" dirty="0" err="1"/>
+              <a:t>appendInline</a:t>
+            </a:r>
+            <a:r>
+              <a:rPr lang="en-US" dirty="0"/>
+              <a:t>() takes an element and a JSON </a:t>
+            </a:r>
+            <a:r>
+              <a:rPr lang="en-US" dirty="0" err="1"/>
+              <a:t>url</a:t>
+            </a:r>
+            <a:r>
+              <a:rPr lang="en-US" dirty="0"/>
+              <a:t> and validates against Schema and converts the URL to X3DOM and appends it to the X3DOM DOM. (not tested often)</a:t>
+            </a:r>
+          </a:p>
+          <a:p>
+            <a:r>
+              <a:rPr lang="en-US" dirty="0" err="1"/>
+              <a:t>loadInline</a:t>
+            </a:r>
+            <a:r>
+              <a:rPr lang="en-US" dirty="0"/>
+              <a:t>() takes a selector and a JSON </a:t>
+            </a:r>
+            <a:r>
+              <a:rPr lang="en-US" dirty="0" err="1"/>
+              <a:t>url</a:t>
+            </a:r>
+            <a:r>
+              <a:rPr lang="en-US" dirty="0"/>
+              <a:t> and calls </a:t>
+            </a:r>
+            <a:r>
+              <a:rPr lang="en-US" dirty="0" err="1"/>
+              <a:t>appendInline</a:t>
+            </a:r>
+            <a:r>
+              <a:rPr lang="en-US" dirty="0"/>
+              <a:t>(). (not tested often)</a:t>
             </a:r>
           </a:p>
           <a:p>
@@ -3969,7 +4083,7 @@
           <a:p>
             <a:r>
               <a:rPr lang="en-US" dirty="0"/>
-              <a:t>X3DJSONLD (HTML inclusion example)</a:t>
+              <a:t>X3DJSONLD Client-side example</a:t>
             </a:r>
           </a:p>
         </p:txBody>
@@ -3987,23 +4101,27 @@
         <p:spPr/>
         <p:txBody>
           <a:bodyPr>
-            <a:normAutofit fontScale="85000" lnSpcReduction="20000"/>
+            <a:normAutofit fontScale="55000" lnSpcReduction="20000"/>
           </a:bodyPr>
           <a:lstStyle/>
           <a:p>
             <a:r>
               <a:rPr lang="en-US" dirty="0"/>
-              <a:t> [ … load Cobweb, X3DOM, etc.  See index.html ]</a:t>
-            </a:r>
-          </a:p>
-          <a:p>
-            <a:r>
-              <a:rPr lang="en-US"/>
-              <a:t> &lt;</a:t>
-            </a:r>
-            <a:r>
-              <a:rPr lang="en-US" dirty="0"/>
-              <a:t>div id="x3domjson"&gt;&lt;/div&gt;</a:t>
+              <a:t> [ … load Cobweb, X3DOM, etc.  See index.html for latest version of this code. Real code includes converters, EXI, and matrix </a:t>
+            </a:r>
+            <a:r>
+              <a:rPr lang="en-US" dirty="0" err="1"/>
+              <a:t>mult</a:t>
+            </a:r>
+            <a:r>
+              <a:rPr lang="en-US" dirty="0"/>
+              <a:t>. ]</a:t>
+            </a:r>
+          </a:p>
+          <a:p>
+            <a:r>
+              <a:rPr lang="en-US" dirty="0"/>
+              <a:t> &lt;div id="x3domjson"&gt;&lt;/div&gt;</a:t>
             </a:r>
           </a:p>
           <a:p>
@@ -4070,6 +4188,72 @@
             <a:r>
               <a:rPr lang="en-US" dirty="0"/>
               <a:t>="Flattener.js"&gt;&lt;/script&gt;</a:t>
+            </a:r>
+          </a:p>
+          <a:p>
+            <a:r>
+              <a:rPr lang="en-US" dirty="0"/>
+              <a:t>&lt;script type="text/</a:t>
+            </a:r>
+            <a:r>
+              <a:rPr lang="en-US" dirty="0" err="1"/>
+              <a:t>javascript</a:t>
+            </a:r>
+            <a:r>
+              <a:rPr lang="en-US" dirty="0"/>
+              <a:t>" </a:t>
+            </a:r>
+            <a:r>
+              <a:rPr lang="en-US" dirty="0" err="1"/>
+              <a:t>src</a:t>
+            </a:r>
+            <a:r>
+              <a:rPr lang="en-US" dirty="0"/>
+              <a:t>="mapToMethod.js"&gt;&lt;/script&gt;</a:t>
+            </a:r>
+          </a:p>
+          <a:p>
+            <a:r>
+              <a:rPr lang="en-US" dirty="0"/>
+              <a:t> &lt;script type="text/</a:t>
+            </a:r>
+            <a:r>
+              <a:rPr lang="en-US" dirty="0" err="1"/>
+              <a:t>javascript</a:t>
+            </a:r>
+            <a:r>
+              <a:rPr lang="en-US" dirty="0"/>
+              <a:t>" </a:t>
+            </a:r>
+            <a:r>
+              <a:rPr lang="en-US" dirty="0" err="1"/>
+              <a:t>src</a:t>
+            </a:r>
+            <a:r>
+              <a:rPr lang="en-US" dirty="0"/>
+              <a:t>="mapToMethod2.js"&gt;&lt;/script&gt;</a:t>
+            </a:r>
+          </a:p>
+          <a:p>
+            <a:r>
+              <a:rPr lang="en-US" dirty="0"/>
+              <a:t> &lt;script type="text/</a:t>
+            </a:r>
+            <a:r>
+              <a:rPr lang="en-US" dirty="0" err="1"/>
+              <a:t>javascript</a:t>
+            </a:r>
+            <a:r>
+              <a:rPr lang="en-US" dirty="0"/>
+              <a:t>" </a:t>
+            </a:r>
+            <a:r>
+              <a:rPr lang="en-US" dirty="0" err="1"/>
+              <a:t>src</a:t>
+            </a:r>
+            <a:r>
+              <a:rPr lang="en-US" dirty="0"/>
+              <a:t>="fieldTypes.js"&gt;&lt;/script&gt;</a:t>
             </a:r>
           </a:p>
           <a:p>
@@ -4204,7 +4388,7 @@
         <p:spPr/>
         <p:txBody>
           <a:bodyPr>
-            <a:normAutofit lnSpcReduction="10000"/>
+            <a:normAutofit fontScale="92500" lnSpcReduction="10000"/>
           </a:bodyPr>
           <a:lstStyle/>
           <a:p>
@@ -4272,14 +4456,14 @@
             </a:r>
             <a:r>
               <a:rPr lang="en-US" dirty="0"/>
-              <a:t>, called by json2all.js and runjson.sh</a:t>
+              <a:t>, called by json2all.js and runjson.sh, based on Object Model inputs.</a:t>
             </a:r>
           </a:p>
           <a:p>
             <a:pPr lvl="1"/>
             <a:r>
               <a:rPr lang="en-US" dirty="0"/>
-              <a:t>Java compilation script (compilejava.sh)</a:t>
+              <a:t>Java compilation script (compilejava.sh), test runner for .x3d files (several.sh).  Use local.sh for an example.</a:t>
             </a:r>
           </a:p>
           <a:p>
@@ -4292,7 +4476,15 @@
             <a:pPr lvl="1"/>
             <a:r>
               <a:rPr lang="en-US" dirty="0"/>
-              <a:t>Very few files converted back to original.  Currently researching and exchanging bug reports.  More work needed.</a:t>
+              <a:t>Very few files converted back to exact original (meta nodes, </a:t>
+            </a:r>
+            <a:r>
+              <a:rPr lang="en-US" dirty="0" err="1"/>
+              <a:t>containerFields</a:t>
+            </a:r>
+            <a:r>
+              <a:rPr lang="en-US" dirty="0"/>
+              <a:t> added).  Currently researching and exchanging bug reports.  More work needed.</a:t>
             </a:r>
           </a:p>
         </p:txBody>
